--- a/docs/ATranslate.pptx
+++ b/docs/ATranslate.pptx
@@ -144,6 +144,9 @@
     <p:ext uri="{EFAFB233-063F-42B5-8137-9DF3F51BA10A}">
       <p15:sldGuideLst xmlns:p15="http://schemas.microsoft.com/office/powerpoint/2012/main"/>
     </p:ext>
+    <p:ext uri="{2D200454-40CA-4A62-9FC3-DE9A4176ACB9}">
+      <p15:notesGuideLst xmlns:p15="http://schemas.microsoft.com/office/powerpoint/2012/main"/>
+    </p:ext>
   </p:extLst>
 </p:presentation>
 </file>
@@ -230,7 +233,7 @@
           <a:p>
             <a:fld id="{4D2A5A54-57FA-4281-A6F5-1860CF48FA07}" type="datetimeFigureOut">
               <a:rPr lang="en-US" smtClean="0"/>
-              <a:t>12/3/2019</a:t>
+              <a:t>1/25/2021</a:t>
             </a:fld>
             <a:endParaRPr lang="en-US"/>
           </a:p>
@@ -8109,7 +8112,7 @@
             </a:pPr>
             <a:r>
               <a:rPr lang="en-US" dirty="0"/>
-              <a:t>Important terms check: Check key terms to ensure they are present in the draft and translated clearly and consistently.</a:t>
+              <a:t>Key Word check: Check key terms to ensure they are present in the draft and translated clearly and consistently.</a:t>
             </a:r>
           </a:p>
         </p:txBody>
@@ -8495,7 +8498,7 @@
             </a:pPr>
             <a:r>
               <a:rPr lang="en-US" sz="2000" dirty="0"/>
-              <a:t>Important terms check: Check key terms to ensure they are present in the draft and translated clearly and consistently.</a:t>
+              <a:t>Key Word check: Check key terms to ensure they are present in the draft and translated clearly and consistently.</a:t>
             </a:r>
           </a:p>
           <a:p>
@@ -9351,7 +9354,7 @@
           <a:p>
             <a:r>
               <a:rPr lang="en-US" sz="2000" dirty="0"/>
-              <a:t>Important Terms Check</a:t>
+              <a:t>Key Word Check</a:t>
             </a:r>
           </a:p>
         </p:txBody>
@@ -13220,7 +13223,7 @@
             </a:pPr>
             <a:r>
               <a:rPr lang="en-US" dirty="0"/>
-              <a:t>Tap “piece of paper behind the chunk.</a:t>
+              <a:t>Tap “piece of paper” behind the chunk.</a:t>
             </a:r>
           </a:p>
           <a:p>
@@ -13791,7 +13794,7 @@
             </a:pPr>
             <a:r>
               <a:rPr lang="en-US" dirty="0"/>
-              <a:t>Tap “piece of paper behind the chunk.</a:t>
+              <a:t>Tap “piece of paper” behind the chunk.</a:t>
             </a:r>
           </a:p>
           <a:p>
@@ -15034,7 +15037,7 @@
             </a:pPr>
             <a:r>
               <a:rPr lang="en-US" dirty="0"/>
-              <a:t>Tap “piece of paper behind the chunk.</a:t>
+              <a:t>Tap “piece of paper” behind the chunk.</a:t>
             </a:r>
           </a:p>
           <a:p>
@@ -15678,8 +15681,8 @@
             </p:nvSpPr>
             <p:spPr>
               <a:xfrm>
-                <a:off x="6570704" y="5666394"/>
-                <a:ext cx="2488758" cy="369332"/>
+                <a:off x="6786516" y="5666394"/>
+                <a:ext cx="2066591" cy="369332"/>
               </a:xfrm>
               <a:prstGeom prst="rect">
                 <a:avLst/>
@@ -15694,7 +15697,7 @@
               <a:p>
                 <a:r>
                   <a:rPr lang="en-US" b="1" dirty="0"/>
-                  <a:t>Important Terms Check</a:t>
+                  <a:t>Key Word Check</a:t>
                 </a:r>
               </a:p>
             </p:txBody>
@@ -27077,7 +27080,7 @@
             <a:pPr algn="l"/>
             <a:r>
               <a:rPr lang="en-US" dirty="0"/>
-              <a:t>MAST Step 7: Important Terms Check </a:t>
+              <a:t>MAST Step 7: Key Word Check </a:t>
             </a:r>
           </a:p>
         </p:txBody>
@@ -30467,6 +30470,15 @@
 </file>
 
 <file path=customXml/item1.xml><?xml version="1.0" encoding="utf-8"?>
+<?mso-contentType ?>
+<FormTemplates xmlns="http://schemas.microsoft.com/sharepoint/v3/contenttype/forms">
+  <Display>DocumentLibraryForm</Display>
+  <Edit>DocumentLibraryForm</Edit>
+  <New>DocumentLibraryForm</New>
+</FormTemplates>
+</file>
+
+<file path=customXml/item2.xml><?xml version="1.0" encoding="utf-8"?>
 <ct:contentTypeSchema xmlns:ct="http://schemas.microsoft.com/office/2006/metadata/contentType" xmlns:ma="http://schemas.microsoft.com/office/2006/metadata/properties/metaAttributes" ct:_="" ma:_="" ma:contentTypeName="Document" ma:contentTypeID="0x0101005AB3623AC358204B8459D60480BA9C2B" ma:contentTypeVersion="12" ma:contentTypeDescription="Create a new document." ma:contentTypeScope="" ma:versionID="d3005fe9c78495323023aeced5280a50">
   <xsd:schema xmlns:xsd="http://www.w3.org/2001/XMLSchema" xmlns:xs="http://www.w3.org/2001/XMLSchema" xmlns:p="http://schemas.microsoft.com/office/2006/metadata/properties" xmlns:ns3="e6b6b08c-4e37-4703-b140-b9e21b970c4f" xmlns:ns4="63ebc9d3-73c5-43d0-b794-270dc3c2d1a0" targetNamespace="http://schemas.microsoft.com/office/2006/metadata/properties" ma:root="true" ma:fieldsID="0b9151cbda91d7d860fe7297b2c5ad24" ns3:_="" ns4:_="">
     <xsd:import namespace="e6b6b08c-4e37-4703-b140-b9e21b970c4f"/>
@@ -30683,15 +30695,6 @@
 </ct:contentTypeSchema>
 </file>
 
-<file path=customXml/item2.xml><?xml version="1.0" encoding="utf-8"?>
-<?mso-contentType ?>
-<FormTemplates xmlns="http://schemas.microsoft.com/sharepoint/v3/contenttype/forms">
-  <Display>DocumentLibraryForm</Display>
-  <Edit>DocumentLibraryForm</Edit>
-  <New>DocumentLibraryForm</New>
-</FormTemplates>
-</file>
-
 <file path=customXml/item3.xml><?xml version="1.0" encoding="utf-8"?>
 <p:properties xmlns:p="http://schemas.microsoft.com/office/2006/metadata/properties" xmlns:xsi="http://www.w3.org/2001/XMLSchema-instance" xmlns:pc="http://schemas.microsoft.com/office/infopath/2007/PartnerControls">
   <documentManagement/>
@@ -30699,6 +30702,14 @@
 </file>
 
 <file path=customXml/itemProps1.xml><?xml version="1.0" encoding="utf-8"?>
+<ds:datastoreItem xmlns:ds="http://schemas.openxmlformats.org/officeDocument/2006/customXml" ds:itemID="{64CFF4CB-2157-4462-882E-7C7509AE6A60}">
+  <ds:schemaRefs>
+    <ds:schemaRef ds:uri="http://schemas.microsoft.com/sharepoint/v3/contenttype/forms"/>
+  </ds:schemaRefs>
+</ds:datastoreItem>
+</file>
+
+<file path=customXml/itemProps2.xml><?xml version="1.0" encoding="utf-8"?>
 <ds:datastoreItem xmlns:ds="http://schemas.openxmlformats.org/officeDocument/2006/customXml" ds:itemID="{EEEB1E18-1527-4724-AEDB-E4EBC76D73AB}">
   <ds:schemaRefs>
     <ds:schemaRef ds:uri="http://schemas.microsoft.com/office/2006/metadata/contentType"/>
@@ -30713,14 +30724,6 @@
     <ds:schemaRef ds:uri="http://purl.org/dc/elements/1.1/"/>
     <ds:schemaRef ds:uri="http://purl.org/dc/terms/"/>
     <ds:schemaRef ds:uri="http://schemas.microsoft.com/internal/obd"/>
-  </ds:schemaRefs>
-</ds:datastoreItem>
-</file>
-
-<file path=customXml/itemProps2.xml><?xml version="1.0" encoding="utf-8"?>
-<ds:datastoreItem xmlns:ds="http://schemas.openxmlformats.org/officeDocument/2006/customXml" ds:itemID="{64CFF4CB-2157-4462-882E-7C7509AE6A60}">
-  <ds:schemaRefs>
-    <ds:schemaRef ds:uri="http://schemas.microsoft.com/sharepoint/v3/contenttype/forms"/>
   </ds:schemaRefs>
 </ds:datastoreItem>
 </file>

--- a/docs/ATranslate.pptx
+++ b/docs/ATranslate.pptx
@@ -24193,6 +24193,43 @@
           </a:prstGeom>
         </p:spPr>
       </p:pic>
+      <p:sp>
+        <p:nvSpPr>
+          <p:cNvPr id="5" name="TextBox 4">
+            <a:extLst>
+              <a:ext uri="{FF2B5EF4-FFF2-40B4-BE49-F238E27FC236}">
+                <a16:creationId xmlns:a16="http://schemas.microsoft.com/office/drawing/2014/main" id="{939A928E-7BF4-4BE6-A6D3-A14402421B18}"/>
+              </a:ext>
+            </a:extLst>
+          </p:cNvPr>
+          <p:cNvSpPr txBox="1"/>
+          <p:nvPr/>
+        </p:nvSpPr>
+        <p:spPr>
+          <a:xfrm>
+            <a:off x="9882220" y="2102358"/>
+            <a:ext cx="1366352" cy="430887"/>
+          </a:xfrm>
+          <a:prstGeom prst="rect">
+            <a:avLst/>
+          </a:prstGeom>
+          <a:solidFill>
+            <a:schemeClr val="bg1"/>
+          </a:solidFill>
+        </p:spPr>
+        <p:txBody>
+          <a:bodyPr wrap="square" rtlCol="0">
+            <a:spAutoFit/>
+          </a:bodyPr>
+          <a:lstStyle/>
+          <a:p>
+            <a:r>
+              <a:rPr lang="en-US" sz="1100" dirty="0"/>
+              <a:t>Key Word Checking</a:t>
+            </a:r>
+          </a:p>
+        </p:txBody>
+      </p:sp>
     </p:spTree>
     <p:extLst>
       <p:ext uri="{BB962C8B-B14F-4D97-AF65-F5344CB8AC3E}">
@@ -30470,15 +30507,6 @@
 </file>
 
 <file path=customXml/item1.xml><?xml version="1.0" encoding="utf-8"?>
-<?mso-contentType ?>
-<FormTemplates xmlns="http://schemas.microsoft.com/sharepoint/v3/contenttype/forms">
-  <Display>DocumentLibraryForm</Display>
-  <Edit>DocumentLibraryForm</Edit>
-  <New>DocumentLibraryForm</New>
-</FormTemplates>
-</file>
-
-<file path=customXml/item2.xml><?xml version="1.0" encoding="utf-8"?>
 <ct:contentTypeSchema xmlns:ct="http://schemas.microsoft.com/office/2006/metadata/contentType" xmlns:ma="http://schemas.microsoft.com/office/2006/metadata/properties/metaAttributes" ct:_="" ma:_="" ma:contentTypeName="Document" ma:contentTypeID="0x0101005AB3623AC358204B8459D60480BA9C2B" ma:contentTypeVersion="12" ma:contentTypeDescription="Create a new document." ma:contentTypeScope="" ma:versionID="d3005fe9c78495323023aeced5280a50">
   <xsd:schema xmlns:xsd="http://www.w3.org/2001/XMLSchema" xmlns:xs="http://www.w3.org/2001/XMLSchema" xmlns:p="http://schemas.microsoft.com/office/2006/metadata/properties" xmlns:ns3="e6b6b08c-4e37-4703-b140-b9e21b970c4f" xmlns:ns4="63ebc9d3-73c5-43d0-b794-270dc3c2d1a0" targetNamespace="http://schemas.microsoft.com/office/2006/metadata/properties" ma:root="true" ma:fieldsID="0b9151cbda91d7d860fe7297b2c5ad24" ns3:_="" ns4:_="">
     <xsd:import namespace="e6b6b08c-4e37-4703-b140-b9e21b970c4f"/>
@@ -30695,6 +30723,15 @@
 </ct:contentTypeSchema>
 </file>
 
+<file path=customXml/item2.xml><?xml version="1.0" encoding="utf-8"?>
+<?mso-contentType ?>
+<FormTemplates xmlns="http://schemas.microsoft.com/sharepoint/v3/contenttype/forms">
+  <Display>DocumentLibraryForm</Display>
+  <Edit>DocumentLibraryForm</Edit>
+  <New>DocumentLibraryForm</New>
+</FormTemplates>
+</file>
+
 <file path=customXml/item3.xml><?xml version="1.0" encoding="utf-8"?>
 <p:properties xmlns:p="http://schemas.microsoft.com/office/2006/metadata/properties" xmlns:xsi="http://www.w3.org/2001/XMLSchema-instance" xmlns:pc="http://schemas.microsoft.com/office/infopath/2007/PartnerControls">
   <documentManagement/>
@@ -30702,14 +30739,6 @@
 </file>
 
 <file path=customXml/itemProps1.xml><?xml version="1.0" encoding="utf-8"?>
-<ds:datastoreItem xmlns:ds="http://schemas.openxmlformats.org/officeDocument/2006/customXml" ds:itemID="{64CFF4CB-2157-4462-882E-7C7509AE6A60}">
-  <ds:schemaRefs>
-    <ds:schemaRef ds:uri="http://schemas.microsoft.com/sharepoint/v3/contenttype/forms"/>
-  </ds:schemaRefs>
-</ds:datastoreItem>
-</file>
-
-<file path=customXml/itemProps2.xml><?xml version="1.0" encoding="utf-8"?>
 <ds:datastoreItem xmlns:ds="http://schemas.openxmlformats.org/officeDocument/2006/customXml" ds:itemID="{EEEB1E18-1527-4724-AEDB-E4EBC76D73AB}">
   <ds:schemaRefs>
     <ds:schemaRef ds:uri="http://schemas.microsoft.com/office/2006/metadata/contentType"/>
@@ -30724,6 +30753,14 @@
     <ds:schemaRef ds:uri="http://purl.org/dc/elements/1.1/"/>
     <ds:schemaRef ds:uri="http://purl.org/dc/terms/"/>
     <ds:schemaRef ds:uri="http://schemas.microsoft.com/internal/obd"/>
+  </ds:schemaRefs>
+</ds:datastoreItem>
+</file>
+
+<file path=customXml/itemProps2.xml><?xml version="1.0" encoding="utf-8"?>
+<ds:datastoreItem xmlns:ds="http://schemas.openxmlformats.org/officeDocument/2006/customXml" ds:itemID="{64CFF4CB-2157-4462-882E-7C7509AE6A60}">
+  <ds:schemaRefs>
+    <ds:schemaRef ds:uri="http://schemas.microsoft.com/sharepoint/v3/contenttype/forms"/>
   </ds:schemaRefs>
 </ds:datastoreItem>
 </file>
